--- a/slide/aj.warodom/powerpoint/07 - Web Security.pptx
+++ b/slide/aj.warodom/powerpoint/07 - Web Security.pptx
@@ -242,7 +242,7 @@
             <a:fld id="{764D39C1-A66A-40C7-BCC0-0B3B861FC29D}" type="datetimeFigureOut">
               <a:rPr lang="en-US" smtClean="0"/>
               <a:pPr/>
-              <a:t>3/25/2019</a:t>
+              <a:t>4/28/2019</a:t>
             </a:fld>
             <a:endParaRPr lang="en-US"/>
           </a:p>
@@ -2568,11 +2568,11 @@
               <a:t>FBGraph</a:t>
             </a:r>
             <a:r>
-              <a:rPr lang="en-US"/>
+              <a:rPr lang="en-US" dirty="0"/>
               <a:t> Lib:</a:t>
             </a:r>
             <a:r>
-              <a:rPr lang="en-US" baseline="0"/>
+              <a:rPr lang="en-US" baseline="0" dirty="0"/>
               <a:t>  https://github.com/criso/fbgraph</a:t>
             </a:r>
             <a:endParaRPr lang="th-TH" dirty="0"/>
@@ -3766,7 +3766,7 @@
           <a:p>
             <a:fld id="{4AAD347D-5ACD-4C99-B74B-A9C85AD731AF}" type="datetimeFigureOut">
               <a:rPr lang="en-US" dirty="0"/>
-              <a:t>3/25/2019</a:t>
+              <a:t>4/28/2019</a:t>
             </a:fld>
             <a:endParaRPr lang="en-US" dirty="0"/>
           </a:p>
@@ -4043,7 +4043,7 @@
           <a:p>
             <a:fld id="{4509A250-FF31-4206-8172-F9D3106AACB1}" type="datetimeFigureOut">
               <a:rPr lang="en-US" dirty="0"/>
-              <a:t>3/25/2019</a:t>
+              <a:t>4/28/2019</a:t>
             </a:fld>
             <a:endParaRPr lang="en-US" dirty="0"/>
           </a:p>
@@ -4239,7 +4239,7 @@
           <a:p>
             <a:fld id="{4509A250-FF31-4206-8172-F9D3106AACB1}" type="datetimeFigureOut">
               <a:rPr lang="en-US" dirty="0"/>
-              <a:t>3/25/2019</a:t>
+              <a:t>4/28/2019</a:t>
             </a:fld>
             <a:endParaRPr lang="en-US" dirty="0"/>
           </a:p>
@@ -4509,7 +4509,7 @@
           <a:p>
             <a:fld id="{4509A250-FF31-4206-8172-F9D3106AACB1}" type="datetimeFigureOut">
               <a:rPr lang="en-US" dirty="0"/>
-              <a:t>3/25/2019</a:t>
+              <a:t>4/28/2019</a:t>
             </a:fld>
             <a:endParaRPr lang="en-US" dirty="0"/>
           </a:p>
@@ -4843,7 +4843,7 @@
           <a:p>
             <a:fld id="{4509A250-FF31-4206-8172-F9D3106AACB1}" type="datetimeFigureOut">
               <a:rPr lang="en-US" dirty="0"/>
-              <a:t>3/25/2019</a:t>
+              <a:t>4/28/2019</a:t>
             </a:fld>
             <a:endParaRPr lang="en-US" dirty="0"/>
           </a:p>
@@ -5455,7 +5455,7 @@
           <a:p>
             <a:fld id="{4509A250-FF31-4206-8172-F9D3106AACB1}" type="datetimeFigureOut">
               <a:rPr lang="en-US" dirty="0"/>
-              <a:t>3/25/2019</a:t>
+              <a:t>4/28/2019</a:t>
             </a:fld>
             <a:endParaRPr lang="en-US" dirty="0"/>
           </a:p>
@@ -6304,7 +6304,7 @@
           <a:p>
             <a:fld id="{4509A250-FF31-4206-8172-F9D3106AACB1}" type="datetimeFigureOut">
               <a:rPr lang="en-US" dirty="0"/>
-              <a:t>3/25/2019</a:t>
+              <a:t>4/28/2019</a:t>
             </a:fld>
             <a:endParaRPr lang="en-US" dirty="0"/>
           </a:p>
@@ -6476,7 +6476,7 @@
           <a:p>
             <a:fld id="{4509A250-FF31-4206-8172-F9D3106AACB1}" type="datetimeFigureOut">
               <a:rPr lang="en-US" dirty="0"/>
-              <a:t>3/25/2019</a:t>
+              <a:t>4/28/2019</a:t>
             </a:fld>
             <a:endParaRPr lang="en-US" dirty="0"/>
           </a:p>
@@ -6658,7 +6658,7 @@
           <a:p>
             <a:fld id="{4509A250-FF31-4206-8172-F9D3106AACB1}" type="datetimeFigureOut">
               <a:rPr lang="en-US" dirty="0"/>
-              <a:t>3/25/2019</a:t>
+              <a:t>4/28/2019</a:t>
             </a:fld>
             <a:endParaRPr lang="en-US" dirty="0"/>
           </a:p>
@@ -7012,7 +7012,7 @@
           <a:p>
             <a:fld id="{4509A250-FF31-4206-8172-F9D3106AACB1}" type="datetimeFigureOut">
               <a:rPr lang="en-US" dirty="0"/>
-              <a:t>3/25/2019</a:t>
+              <a:t>4/28/2019</a:t>
             </a:fld>
             <a:endParaRPr lang="en-US" dirty="0"/>
           </a:p>
@@ -7258,7 +7258,7 @@
           <a:p>
             <a:fld id="{4509A250-FF31-4206-8172-F9D3106AACB1}" type="datetimeFigureOut">
               <a:rPr lang="en-US" dirty="0"/>
-              <a:t>3/25/2019</a:t>
+              <a:t>4/28/2019</a:t>
             </a:fld>
             <a:endParaRPr lang="en-US" dirty="0"/>
           </a:p>
@@ -7552,7 +7552,7 @@
           <a:p>
             <a:fld id="{4509A250-FF31-4206-8172-F9D3106AACB1}" type="datetimeFigureOut">
               <a:rPr lang="en-US" dirty="0"/>
-              <a:t>3/25/2019</a:t>
+              <a:t>4/28/2019</a:t>
             </a:fld>
             <a:endParaRPr lang="en-US" dirty="0"/>
           </a:p>
@@ -7992,7 +7992,7 @@
           <a:p>
             <a:fld id="{4509A250-FF31-4206-8172-F9D3106AACB1}" type="datetimeFigureOut">
               <a:rPr lang="en-US" dirty="0"/>
-              <a:t>3/25/2019</a:t>
+              <a:t>4/28/2019</a:t>
             </a:fld>
             <a:endParaRPr lang="en-US" dirty="0"/>
           </a:p>
@@ -8112,7 +8112,7 @@
           <a:p>
             <a:fld id="{4509A250-FF31-4206-8172-F9D3106AACB1}" type="datetimeFigureOut">
               <a:rPr lang="en-US" dirty="0"/>
-              <a:t>3/25/2019</a:t>
+              <a:t>4/28/2019</a:t>
             </a:fld>
             <a:endParaRPr lang="en-US" dirty="0"/>
           </a:p>
@@ -8209,7 +8209,7 @@
           <a:p>
             <a:fld id="{4509A250-FF31-4206-8172-F9D3106AACB1}" type="datetimeFigureOut">
               <a:rPr lang="en-US" dirty="0"/>
-              <a:t>3/25/2019</a:t>
+              <a:t>4/28/2019</a:t>
             </a:fld>
             <a:endParaRPr lang="en-US" dirty="0"/>
           </a:p>
@@ -8490,7 +8490,7 @@
           <a:p>
             <a:fld id="{4509A250-FF31-4206-8172-F9D3106AACB1}" type="datetimeFigureOut">
               <a:rPr lang="en-US" dirty="0"/>
-              <a:t>3/25/2019</a:t>
+              <a:t>4/28/2019</a:t>
             </a:fld>
             <a:endParaRPr lang="en-US" dirty="0"/>
           </a:p>
@@ -8767,7 +8767,7 @@
           <a:p>
             <a:fld id="{4509A250-FF31-4206-8172-F9D3106AACB1}" type="datetimeFigureOut">
               <a:rPr lang="en-US" dirty="0"/>
-              <a:t>3/25/2019</a:t>
+              <a:t>4/28/2019</a:t>
             </a:fld>
             <a:endParaRPr lang="en-US" dirty="0"/>
           </a:p>
@@ -9198,7 +9198,7 @@
           <a:p>
             <a:fld id="{4509A250-FF31-4206-8172-F9D3106AACB1}" type="datetimeFigureOut">
               <a:rPr lang="en-US" dirty="0"/>
-              <a:t>3/25/2019</a:t>
+              <a:t>4/28/2019</a:t>
             </a:fld>
             <a:endParaRPr lang="en-US" dirty="0"/>
           </a:p>
@@ -9841,7 +9841,7 @@
           <a:p>
             <a:pPr eaLnBrk="1" hangingPunct="1"/>
             <a:r>
-              <a:rPr lang="en-US" altLang="en-US"/>
+              <a:rPr lang="en-US" altLang="en-US" dirty="0"/>
               <a:t>A Sample Certificate </a:t>
             </a:r>
           </a:p>
@@ -11016,7 +11016,7 @@
               <a:defRPr/>
             </a:pPr>
             <a:r>
-              <a:rPr lang="en-US" sz="1400"/>
+              <a:rPr lang="en-US" sz="1400" dirty="0"/>
               <a:t>Web browser and web server both calculate a session key by agreed key-generation method</a:t>
             </a:r>
           </a:p>
@@ -14777,7 +14777,7 @@
               </a:lnSpc>
             </a:pPr>
             <a:r>
-              <a:rPr lang="en-US" altLang="zh-TW">
+              <a:rPr lang="en-US" altLang="zh-TW" dirty="0">
                 <a:ea typeface="新細明體" panose="02020500000000000000" pitchFamily="18" charset="-120"/>
               </a:rPr>
               <a:t>Prevent unauthorized users from accessing sensitive data</a:t>
@@ -14790,7 +14790,7 @@
               </a:lnSpc>
             </a:pPr>
             <a:r>
-              <a:rPr lang="en-US" altLang="zh-TW">
+              <a:rPr lang="en-US" altLang="zh-TW" dirty="0">
                 <a:ea typeface="新細明體" panose="02020500000000000000" pitchFamily="18" charset="-120"/>
               </a:rPr>
               <a:t>Authentication: identifying users to determine if they are one of the authorized ones</a:t>
@@ -14803,7 +14803,7 @@
               </a:lnSpc>
             </a:pPr>
             <a:r>
-              <a:rPr lang="en-US" altLang="zh-TW">
+              <a:rPr lang="en-US" altLang="zh-TW" dirty="0">
                 <a:ea typeface="新細明體" panose="02020500000000000000" pitchFamily="18" charset="-120"/>
               </a:rPr>
               <a:t>Access control: identifying which resources need protection and who should have access to them</a:t>
@@ -14815,7 +14815,7 @@
                 <a:spcPct val="90000"/>
               </a:lnSpc>
             </a:pPr>
-            <a:endParaRPr lang="en-US" altLang="zh-TW">
+            <a:endParaRPr lang="en-US" altLang="zh-TW" dirty="0">
               <a:ea typeface="新細明體" panose="02020500000000000000" pitchFamily="18" charset="-120"/>
             </a:endParaRPr>
           </a:p>
@@ -14826,7 +14826,7 @@
               </a:lnSpc>
             </a:pPr>
             <a:r>
-              <a:rPr lang="en-US" altLang="zh-TW">
+              <a:rPr lang="en-US" altLang="zh-TW" dirty="0">
                 <a:ea typeface="新細明體" panose="02020500000000000000" pitchFamily="18" charset="-120"/>
               </a:rPr>
               <a:t>Prevent attackers from stealing data from network during transmission</a:t>
@@ -14839,7 +14839,7 @@
               </a:lnSpc>
             </a:pPr>
             <a:r>
-              <a:rPr lang="en-US" altLang="zh-TW">
+              <a:rPr lang="en-US" altLang="zh-TW" dirty="0">
                 <a:ea typeface="新細明體" panose="02020500000000000000" pitchFamily="18" charset="-120"/>
               </a:rPr>
               <a:t>Encryption (usually by Secure Sockets Layer)</a:t>
@@ -14851,7 +14851,7 @@
                 <a:spcPct val="90000"/>
               </a:lnSpc>
             </a:pPr>
-            <a:endParaRPr lang="en-US" altLang="zh-TW">
+            <a:endParaRPr lang="en-US" altLang="zh-TW" dirty="0">
               <a:ea typeface="新細明體" panose="02020500000000000000" pitchFamily="18" charset="-120"/>
             </a:endParaRPr>
           </a:p>
@@ -20791,14 +20791,19 @@
             <p:ph type="title"/>
           </p:nvPr>
         </p:nvSpPr>
-        <p:spPr/>
+        <p:spPr>
+          <a:xfrm>
+            <a:off x="646111" y="402841"/>
+            <a:ext cx="9404723" cy="1400530"/>
+          </a:xfrm>
+        </p:spPr>
         <p:txBody>
           <a:bodyPr/>
           <a:lstStyle/>
           <a:p>
             <a:pPr eaLnBrk="1" hangingPunct="1"/>
             <a:r>
-              <a:rPr lang="en-US" altLang="zh-TW">
+              <a:rPr lang="en-US" altLang="zh-TW" dirty="0">
                 <a:ea typeface="新細明體" panose="02020500000000000000" pitchFamily="18" charset="-120"/>
               </a:rPr>
               <a:t>Form-based Authentication</a:t>
@@ -21791,10 +21796,7 @@
           <a:lstStyle/>
           <a:p>
             <a:pPr eaLnBrk="1" hangingPunct="1"/>
-            <a:r>
-              <a:rPr lang="en-US" altLang="en-US"/>
-              <a:t>Basic password scheme</a:t>
-            </a:r>
+            <a:endParaRPr lang="en-US" altLang="en-US" dirty="0"/>
           </a:p>
         </p:txBody>
       </p:sp>
@@ -22182,7 +22184,7 @@
           <a:p>
             <a:pPr eaLnBrk="1" hangingPunct="1"/>
             <a:r>
-              <a:rPr lang="en-US" altLang="zh-TW">
+              <a:rPr lang="en-US" altLang="zh-TW" dirty="0">
                 <a:ea typeface="新細明體" panose="02020500000000000000" pitchFamily="18" charset="-120"/>
               </a:rPr>
               <a:t>To enable secured SSL connections, the server needs an SSL certificate signed by a Certificate Authority (CA).</a:t>
@@ -22191,19 +22193,19 @@
           <a:p>
             <a:pPr lvl="1" eaLnBrk="1" hangingPunct="1"/>
             <a:r>
-              <a:rPr lang="en-US" altLang="zh-TW">
+              <a:rPr lang="en-US" altLang="zh-TW" dirty="0">
                 <a:ea typeface="新細明體" panose="02020500000000000000" pitchFamily="18" charset="-120"/>
               </a:rPr>
               <a:t>CA verifies the ID of the certificate owner (e.g., www.hsbc.com.hk) when an SSL certificate is issued.</a:t>
             </a:r>
-            <a:endParaRPr lang="en-US" altLang="zh-TW" i="1">
+            <a:endParaRPr lang="en-US" altLang="zh-TW" i="1" dirty="0">
               <a:ea typeface="新細明體" panose="02020500000000000000" pitchFamily="18" charset="-120"/>
             </a:endParaRPr>
           </a:p>
           <a:p>
             <a:pPr eaLnBrk="1" hangingPunct="1"/>
             <a:r>
-              <a:rPr lang="en-US" altLang="zh-TW">
+              <a:rPr lang="en-US" altLang="zh-TW" dirty="0">
                 <a:ea typeface="新細明體" panose="02020500000000000000" pitchFamily="18" charset="-120"/>
               </a:rPr>
               <a:t>Each SSL Certificate contains unique and authenticated information about the certificate owner, such as ID (in X.500 format), location, public key, and the signature of the CA.</a:t>
@@ -22212,7 +22214,7 @@
           <a:p>
             <a:pPr lvl="1" eaLnBrk="1" hangingPunct="1"/>
             <a:r>
-              <a:rPr lang="en-US" altLang="zh-TW">
+              <a:rPr lang="en-US" altLang="zh-TW" dirty="0">
                 <a:ea typeface="新細明體" panose="02020500000000000000" pitchFamily="18" charset="-120"/>
               </a:rPr>
               <a:t>It confirms that you are who you say you are in the Internet.</a:t>
@@ -22221,20 +22223,20 @@
           <a:p>
             <a:pPr eaLnBrk="1" hangingPunct="1"/>
             <a:r>
-              <a:rPr lang="en-US" altLang="zh-TW">
+              <a:rPr lang="en-US" altLang="zh-TW" dirty="0">
                 <a:ea typeface="新細明體" panose="02020500000000000000" pitchFamily="18" charset="-120"/>
               </a:rPr>
               <a:t>An SSL certificate enables encryption of sensitive information during online transactions by means of using </a:t>
             </a:r>
             <a:r>
-              <a:rPr lang="en-US" altLang="zh-TW">
+              <a:rPr lang="en-US" altLang="zh-TW" dirty="0">
                 <a:ea typeface="新細明體" panose="02020500000000000000" pitchFamily="18" charset="-120"/>
                 <a:hlinkClick r:id="rId3"/>
               </a:rPr>
               <a:t>hybrid cryptosystem</a:t>
             </a:r>
             <a:r>
-              <a:rPr lang="en-US" altLang="zh-TW">
+              <a:rPr lang="en-US" altLang="zh-TW" dirty="0">
                 <a:ea typeface="新細明體" panose="02020500000000000000" pitchFamily="18" charset="-120"/>
               </a:rPr>
               <a:t>.</a:t>
@@ -22242,19 +22244,19 @@
           </a:p>
           <a:p>
             <a:pPr lvl="1" eaLnBrk="1" hangingPunct="1"/>
-            <a:endParaRPr lang="zh-TW" altLang="en-US">
+            <a:endParaRPr lang="zh-TW" altLang="en-US" dirty="0">
               <a:ea typeface="新細明體" panose="02020500000000000000" pitchFamily="18" charset="-120"/>
             </a:endParaRPr>
           </a:p>
           <a:p>
             <a:pPr lvl="1" eaLnBrk="1" hangingPunct="1"/>
-            <a:endParaRPr lang="zh-TW" altLang="en-US">
+            <a:endParaRPr lang="zh-TW" altLang="en-US" dirty="0">
               <a:ea typeface="新細明體" panose="02020500000000000000" pitchFamily="18" charset="-120"/>
             </a:endParaRPr>
           </a:p>
           <a:p>
             <a:pPr lvl="1" eaLnBrk="1" hangingPunct="1"/>
-            <a:endParaRPr lang="zh-TW" altLang="en-US">
+            <a:endParaRPr lang="zh-TW" altLang="en-US" dirty="0">
               <a:ea typeface="新細明體" panose="02020500000000000000" pitchFamily="18" charset="-120"/>
             </a:endParaRPr>
           </a:p>
